--- a/notes/AdditionalAnalyses.pptx
+++ b/notes/AdditionalAnalyses.pptx
@@ -263,7 +263,7 @@
           <a:p>
             <a:fld id="{54C10283-06C0-4A95-B3CD-94716F942B1B}" type="datetimeFigureOut">
               <a:rPr lang="en-US" smtClean="0"/>
-              <a:t>5/24/2021</a:t>
+              <a:t>5/26/2021</a:t>
             </a:fld>
             <a:endParaRPr lang="en-US"/>
           </a:p>
@@ -461,7 +461,7 @@
           <a:p>
             <a:fld id="{54C10283-06C0-4A95-B3CD-94716F942B1B}" type="datetimeFigureOut">
               <a:rPr lang="en-US" smtClean="0"/>
-              <a:t>5/24/2021</a:t>
+              <a:t>5/26/2021</a:t>
             </a:fld>
             <a:endParaRPr lang="en-US"/>
           </a:p>
@@ -669,7 +669,7 @@
           <a:p>
             <a:fld id="{54C10283-06C0-4A95-B3CD-94716F942B1B}" type="datetimeFigureOut">
               <a:rPr lang="en-US" smtClean="0"/>
-              <a:t>5/24/2021</a:t>
+              <a:t>5/26/2021</a:t>
             </a:fld>
             <a:endParaRPr lang="en-US"/>
           </a:p>
@@ -867,7 +867,7 @@
           <a:p>
             <a:fld id="{54C10283-06C0-4A95-B3CD-94716F942B1B}" type="datetimeFigureOut">
               <a:rPr lang="en-US" smtClean="0"/>
-              <a:t>5/24/2021</a:t>
+              <a:t>5/26/2021</a:t>
             </a:fld>
             <a:endParaRPr lang="en-US"/>
           </a:p>
@@ -1142,7 +1142,7 @@
           <a:p>
             <a:fld id="{54C10283-06C0-4A95-B3CD-94716F942B1B}" type="datetimeFigureOut">
               <a:rPr lang="en-US" smtClean="0"/>
-              <a:t>5/24/2021</a:t>
+              <a:t>5/26/2021</a:t>
             </a:fld>
             <a:endParaRPr lang="en-US"/>
           </a:p>
@@ -1407,7 +1407,7 @@
           <a:p>
             <a:fld id="{54C10283-06C0-4A95-B3CD-94716F942B1B}" type="datetimeFigureOut">
               <a:rPr lang="en-US" smtClean="0"/>
-              <a:t>5/24/2021</a:t>
+              <a:t>5/26/2021</a:t>
             </a:fld>
             <a:endParaRPr lang="en-US"/>
           </a:p>
@@ -1819,7 +1819,7 @@
           <a:p>
             <a:fld id="{54C10283-06C0-4A95-B3CD-94716F942B1B}" type="datetimeFigureOut">
               <a:rPr lang="en-US" smtClean="0"/>
-              <a:t>5/24/2021</a:t>
+              <a:t>5/26/2021</a:t>
             </a:fld>
             <a:endParaRPr lang="en-US"/>
           </a:p>
@@ -1960,7 +1960,7 @@
           <a:p>
             <a:fld id="{54C10283-06C0-4A95-B3CD-94716F942B1B}" type="datetimeFigureOut">
               <a:rPr lang="en-US" smtClean="0"/>
-              <a:t>5/24/2021</a:t>
+              <a:t>5/26/2021</a:t>
             </a:fld>
             <a:endParaRPr lang="en-US"/>
           </a:p>
@@ -2073,7 +2073,7 @@
           <a:p>
             <a:fld id="{54C10283-06C0-4A95-B3CD-94716F942B1B}" type="datetimeFigureOut">
               <a:rPr lang="en-US" smtClean="0"/>
-              <a:t>5/24/2021</a:t>
+              <a:t>5/26/2021</a:t>
             </a:fld>
             <a:endParaRPr lang="en-US"/>
           </a:p>
@@ -2384,7 +2384,7 @@
           <a:p>
             <a:fld id="{54C10283-06C0-4A95-B3CD-94716F942B1B}" type="datetimeFigureOut">
               <a:rPr lang="en-US" smtClean="0"/>
-              <a:t>5/24/2021</a:t>
+              <a:t>5/26/2021</a:t>
             </a:fld>
             <a:endParaRPr lang="en-US"/>
           </a:p>
@@ -2672,7 +2672,7 @@
           <a:p>
             <a:fld id="{54C10283-06C0-4A95-B3CD-94716F942B1B}" type="datetimeFigureOut">
               <a:rPr lang="en-US" smtClean="0"/>
-              <a:t>5/24/2021</a:t>
+              <a:t>5/26/2021</a:t>
             </a:fld>
             <a:endParaRPr lang="en-US"/>
           </a:p>
@@ -2913,7 +2913,7 @@
           <a:p>
             <a:fld id="{54C10283-06C0-4A95-B3CD-94716F942B1B}" type="datetimeFigureOut">
               <a:rPr lang="en-US" smtClean="0"/>
-              <a:t>5/24/2021</a:t>
+              <a:t>5/26/2021</a:t>
             </a:fld>
             <a:endParaRPr lang="en-US"/>
           </a:p>
@@ -3388,7 +3388,19 @@
           <a:p>
             <a:r>
               <a:rPr lang="en-US" dirty="0"/>
-              <a:t>Constant single mutational fitness coefficient h_0 and zero coupling J_0=0.</a:t>
+              <a:t>Constant single mutational fitness coefficient h_0 and zero coupling </a:t>
+            </a:r>
+            <a:r>
+              <a:rPr lang="en-US" dirty="0" err="1"/>
+              <a:t>coeff</a:t>
+            </a:r>
+            <a:r>
+              <a:rPr lang="en-US"/>
+              <a:t>. </a:t>
+            </a:r>
+            <a:r>
+              <a:rPr lang="en-US" dirty="0"/>
+              <a:t>J_0=0.</a:t>
             </a:r>
           </a:p>
           <a:p>

--- a/notes/AdditionalAnalyses.pptx
+++ b/notes/AdditionalAnalyses.pptx
@@ -3388,19 +3388,15 @@
           <a:p>
             <a:r>
               <a:rPr lang="en-US" dirty="0"/>
-              <a:t>Constant single mutational fitness coefficient h_0 and zero coupling </a:t>
-            </a:r>
-            <a:r>
-              <a:rPr lang="en-US" dirty="0" err="1"/>
-              <a:t>coeff</a:t>
-            </a:r>
-            <a:r>
-              <a:rPr lang="en-US"/>
-              <a:t>. </a:t>
+              <a:t>Constant single mutational fitness coefficient h_0 and zero </a:t>
+            </a:r>
+            <a:r>
+              <a:rPr lang="en-US"/>
+              <a:t>coupling J</a:t>
             </a:r>
             <a:r>
               <a:rPr lang="en-US" dirty="0"/>
-              <a:t>J_0=0.</a:t>
+              <a:t>_0=0.</a:t>
             </a:r>
           </a:p>
           <a:p>
